--- a/ampliseq.pptx
+++ b/ampliseq.pptx
@@ -5,7 +5,7 @@
     <p:sldMasterId id="2147483660" r:id="rId1"/>
   </p:sldMasterIdLst>
   <p:notesMasterIdLst>
-    <p:notesMasterId r:id="rId10"/>
+    <p:notesMasterId r:id="rId9"/>
   </p:notesMasterIdLst>
   <p:sldIdLst>
     <p:sldId id="296" r:id="rId2"/>
@@ -15,7 +15,6 @@
     <p:sldId id="301" r:id="rId6"/>
     <p:sldId id="298" r:id="rId7"/>
     <p:sldId id="300" r:id="rId8"/>
-    <p:sldId id="302" r:id="rId9"/>
   </p:sldIdLst>
   <p:sldSz cx="9144000" cy="6858000" type="screen4x3"/>
   <p:notesSz cx="6858000" cy="9144000"/>
@@ -215,7 +214,7 @@
           <a:p>
             <a:fld id="{10262C5D-0A0A-4816-B566-CAF186D955C4}" type="datetimeFigureOut">
               <a:rPr lang="en-US" smtClean="0"/>
-              <a:t>2/23/25</a:t>
+              <a:t>3/9/25</a:t>
             </a:fld>
             <a:endParaRPr lang="en-US"/>
           </a:p>
@@ -793,134 +792,6 @@
 </p:notes>
 </file>
 
-<file path=ppt/notesSlides/notesSlide3.xml><?xml version="1.0" encoding="utf-8"?>
-<p:notes xmlns:a="http://schemas.openxmlformats.org/drawingml/2006/main" xmlns:r="http://schemas.openxmlformats.org/officeDocument/2006/relationships" xmlns:p="http://schemas.openxmlformats.org/presentationml/2006/main">
-  <p:cSld>
-    <p:spTree>
-      <p:nvGrpSpPr>
-        <p:cNvPr id="1" name=""/>
-        <p:cNvGrpSpPr/>
-        <p:nvPr/>
-      </p:nvGrpSpPr>
-      <p:grpSpPr>
-        <a:xfrm>
-          <a:off x="0" y="0"/>
-          <a:ext cx="0" cy="0"/>
-          <a:chOff x="0" y="0"/>
-          <a:chExt cx="0" cy="0"/>
-        </a:xfrm>
-      </p:grpSpPr>
-      <p:sp>
-        <p:nvSpPr>
-          <p:cNvPr id="2" name="Slide Image Placeholder 1"/>
-          <p:cNvSpPr>
-            <a:spLocks noGrp="1" noRot="1" noChangeAspect="1"/>
-          </p:cNvSpPr>
-          <p:nvPr>
-            <p:ph type="sldImg"/>
-          </p:nvPr>
-        </p:nvSpPr>
-        <p:spPr/>
-      </p:sp>
-      <p:sp>
-        <p:nvSpPr>
-          <p:cNvPr id="3" name="Notes Placeholder 2"/>
-          <p:cNvSpPr>
-            <a:spLocks noGrp="1"/>
-          </p:cNvSpPr>
-          <p:nvPr>
-            <p:ph type="body" idx="1"/>
-          </p:nvPr>
-        </p:nvSpPr>
-        <p:spPr/>
-        <p:txBody>
-          <a:bodyPr/>
-          <a:lstStyle/>
-          <a:p>
-            <a:r>
-              <a:rPr lang="en-US" dirty="0"/>
-              <a:t>-https://</a:t>
-            </a:r>
-            <a:r>
-              <a:rPr lang="en-US" dirty="0" err="1"/>
-              <a:t>www.gcbc.org.uk</a:t>
-            </a:r>
-            <a:r>
-              <a:rPr lang="en-US" dirty="0"/>
-              <a:t>/grants/</a:t>
-            </a:r>
-          </a:p>
-          <a:p>
-            <a:r>
-              <a:rPr lang="en-US" dirty="0"/>
-              <a:t>https://</a:t>
-            </a:r>
-            <a:r>
-              <a:rPr lang="en-US" dirty="0" err="1"/>
-              <a:t>op.europa.eu</a:t>
-            </a:r>
-            <a:r>
-              <a:rPr lang="en-US" dirty="0"/>
-              <a:t>/</a:t>
-            </a:r>
-            <a:r>
-              <a:rPr lang="en-US" dirty="0" err="1"/>
-              <a:t>en</a:t>
-            </a:r>
-            <a:r>
-              <a:rPr lang="en-US" dirty="0"/>
-              <a:t>/publication-detail/-/publication/461b6869-2b60-11ee-95a2-01aa75ed71a1/language-</a:t>
-            </a:r>
-            <a:r>
-              <a:rPr lang="en-US" dirty="0" err="1"/>
-              <a:t>en</a:t>
-            </a:r>
-            <a:endParaRPr lang="en-US" dirty="0"/>
-          </a:p>
-          <a:p>
-            <a:endParaRPr lang="en-US" dirty="0"/>
-          </a:p>
-          <a:p>
-            <a:endParaRPr lang="en-US" dirty="0"/>
-          </a:p>
-        </p:txBody>
-      </p:sp>
-      <p:sp>
-        <p:nvSpPr>
-          <p:cNvPr id="4" name="Slide Number Placeholder 3"/>
-          <p:cNvSpPr>
-            <a:spLocks noGrp="1"/>
-          </p:cNvSpPr>
-          <p:nvPr>
-            <p:ph type="sldNum" sz="quarter" idx="5"/>
-          </p:nvPr>
-        </p:nvSpPr>
-        <p:spPr/>
-        <p:txBody>
-          <a:bodyPr/>
-          <a:lstStyle/>
-          <a:p>
-            <a:fld id="{F72D62D4-1D89-4328-B391-ED611295007D}" type="slidenum">
-              <a:rPr lang="en-US" smtClean="0"/>
-              <a:t>8</a:t>
-            </a:fld>
-            <a:endParaRPr lang="en-US"/>
-          </a:p>
-        </p:txBody>
-      </p:sp>
-    </p:spTree>
-    <p:extLst>
-      <p:ext uri="{BB962C8B-B14F-4D97-AF65-F5344CB8AC3E}">
-        <p14:creationId xmlns:p14="http://schemas.microsoft.com/office/powerpoint/2010/main" val="3506295998"/>
-      </p:ext>
-    </p:extLst>
-  </p:cSld>
-  <p:clrMapOvr>
-    <a:masterClrMapping/>
-  </p:clrMapOvr>
-</p:notes>
-</file>
-
 <file path=ppt/slideLayouts/slideLayout1.xml><?xml version="1.0" encoding="utf-8"?>
 <p:sldLayout xmlns:a="http://schemas.openxmlformats.org/drawingml/2006/main" xmlns:r="http://schemas.openxmlformats.org/officeDocument/2006/relationships" xmlns:p="http://schemas.openxmlformats.org/presentationml/2006/main" type="title" preserve="1">
   <p:cSld name="Title Slide">
@@ -1109,7 +980,7 @@
           <a:p>
             <a:fld id="{D0960DA0-0ADE-534C-BB62-8D046E249303}" type="datetime1">
               <a:rPr lang="en-GB" smtClean="0"/>
-              <a:t>23/02/2025</a:t>
+              <a:t>09/03/2025</a:t>
             </a:fld>
             <a:endParaRPr lang="en-US"/>
           </a:p>
@@ -1311,7 +1182,7 @@
           <a:p>
             <a:fld id="{262F8853-2D30-504A-92D1-B63E16EFC9C2}" type="datetime1">
               <a:rPr lang="en-GB" smtClean="0"/>
-              <a:t>23/02/2025</a:t>
+              <a:t>09/03/2025</a:t>
             </a:fld>
             <a:endParaRPr lang="en-US"/>
           </a:p>
@@ -1490,7 +1361,7 @@
           <a:p>
             <a:fld id="{42FA748F-1618-3C43-ADF8-77F94C755CA8}" type="datetime1">
               <a:rPr lang="en-GB" smtClean="0"/>
-              <a:t>23/02/2025</a:t>
+              <a:t>09/03/2025</a:t>
             </a:fld>
             <a:endParaRPr lang="en-US"/>
           </a:p>
@@ -1657,7 +1528,7 @@
           <a:p>
             <a:fld id="{BECCD038-495E-B145-BEB2-95A59F868873}" type="datetime1">
               <a:rPr lang="en-GB" smtClean="0"/>
-              <a:t>23/02/2025</a:t>
+              <a:t>09/03/2025</a:t>
             </a:fld>
             <a:endParaRPr lang="en-US"/>
           </a:p>
@@ -1909,7 +1780,7 @@
           <a:p>
             <a:fld id="{D74857B9-3368-C443-AA91-05E3CF56A573}" type="datetime1">
               <a:rPr lang="en-GB" smtClean="0"/>
-              <a:t>23/02/2025</a:t>
+              <a:t>09/03/2025</a:t>
             </a:fld>
             <a:endParaRPr lang="en-US"/>
           </a:p>
@@ -2230,7 +2101,7 @@
           <a:p>
             <a:fld id="{7278EBA3-7388-FE45-B93B-F416960F2D73}" type="datetime1">
               <a:rPr lang="en-GB" smtClean="0"/>
-              <a:t>23/02/2025</a:t>
+              <a:t>09/03/2025</a:t>
             </a:fld>
             <a:endParaRPr lang="en-US"/>
           </a:p>
@@ -2700,7 +2571,7 @@
           <a:p>
             <a:fld id="{E77FD15B-0C17-4D40-BFEA-D0FC8382833B}" type="datetime1">
               <a:rPr lang="en-GB" smtClean="0"/>
-              <a:t>23/02/2025</a:t>
+              <a:t>09/03/2025</a:t>
             </a:fld>
             <a:endParaRPr lang="en-US"/>
           </a:p>
@@ -2851,7 +2722,7 @@
           <a:p>
             <a:fld id="{328A62CC-AC70-9343-8DEF-A16B530C357A}" type="datetime1">
               <a:rPr lang="en-GB" smtClean="0"/>
-              <a:t>23/02/2025</a:t>
+              <a:t>09/03/2025</a:t>
             </a:fld>
             <a:endParaRPr lang="en-US"/>
           </a:p>
@@ -2945,7 +2816,7 @@
           <a:p>
             <a:fld id="{27E0BA8B-409F-B647-BD39-72CABDA2AB4E}" type="datetime1">
               <a:rPr lang="en-GB" smtClean="0"/>
-              <a:t>23/02/2025</a:t>
+              <a:t>09/03/2025</a:t>
             </a:fld>
             <a:endParaRPr lang="en-US"/>
           </a:p>
@@ -3223,7 +3094,7 @@
           <a:p>
             <a:fld id="{E3D2D842-E7ED-B447-B4D0-FD73E2043CBA}" type="datetime1">
               <a:rPr lang="en-GB" smtClean="0"/>
-              <a:t>23/02/2025</a:t>
+              <a:t>09/03/2025</a:t>
             </a:fld>
             <a:endParaRPr lang="en-US"/>
           </a:p>
@@ -3532,7 +3403,7 @@
           <a:p>
             <a:fld id="{F331096F-8EDD-E047-9539-F90713327238}" type="datetime1">
               <a:rPr lang="en-GB" smtClean="0"/>
-              <a:t>23/02/2025</a:t>
+              <a:t>09/03/2025</a:t>
             </a:fld>
             <a:endParaRPr lang="en-US"/>
           </a:p>
@@ -3834,7 +3705,7 @@
           <a:p>
             <a:fld id="{10BF4DFF-FB6D-1741-B4CE-0F5C28A518FF}" type="datetime1">
               <a:rPr lang="en-GB" smtClean="0"/>
-              <a:t>23/02/2025</a:t>
+              <a:t>09/03/2025</a:t>
             </a:fld>
             <a:endParaRPr lang="en-US"/>
           </a:p>
@@ -6377,6 +6248,47 @@
           </a:p>
         </p:txBody>
       </p:sp>
+      <p:sp>
+        <p:nvSpPr>
+          <p:cNvPr id="6" name="TextBox 5">
+            <a:extLst>
+              <a:ext uri="{FF2B5EF4-FFF2-40B4-BE49-F238E27FC236}">
+                <a16:creationId xmlns:a16="http://schemas.microsoft.com/office/drawing/2014/main" id="{D09EFE22-112C-E0D2-F590-0F172054C8C9}"/>
+              </a:ext>
+            </a:extLst>
+          </p:cNvPr>
+          <p:cNvSpPr txBox="1"/>
+          <p:nvPr/>
+        </p:nvSpPr>
+        <p:spPr>
+          <a:xfrm>
+            <a:off x="685800" y="2967335"/>
+            <a:ext cx="4572000" cy="1200329"/>
+          </a:xfrm>
+          <a:prstGeom prst="rect">
+            <a:avLst/>
+          </a:prstGeom>
+          <a:noFill/>
+        </p:spPr>
+        <p:txBody>
+          <a:bodyPr wrap="square">
+            <a:spAutoFit/>
+          </a:bodyPr>
+          <a:lstStyle/>
+          <a:p>
+            <a:r>
+              <a:rPr lang="en-US" dirty="0">
+                <a:hlinkClick r:id="rId2"/>
+              </a:rPr>
+              <a:t>https://omicstutorials.com/step-by-step-manual-choosing-a-bioinformatics-friendly-pipeline-building-framework/</a:t>
+            </a:r>
+            <a:endParaRPr lang="en-US" dirty="0"/>
+          </a:p>
+          <a:p>
+            <a:endParaRPr lang="en-US" dirty="0"/>
+          </a:p>
+        </p:txBody>
+      </p:sp>
     </p:spTree>
     <p:extLst>
       <p:ext uri="{BB962C8B-B14F-4D97-AF65-F5344CB8AC3E}">
@@ -7005,248 +6917,6 @@
     <p:extLst>
       <p:ext uri="{BB962C8B-B14F-4D97-AF65-F5344CB8AC3E}">
         <p14:creationId xmlns:p14="http://schemas.microsoft.com/office/powerpoint/2010/main" val="404160393"/>
-      </p:ext>
-    </p:extLst>
-  </p:cSld>
-  <p:clrMapOvr>
-    <a:masterClrMapping/>
-  </p:clrMapOvr>
-</p:sld>
-</file>
-
-<file path=ppt/slides/slide8.xml><?xml version="1.0" encoding="utf-8"?>
-<p:sld xmlns:a="http://schemas.openxmlformats.org/drawingml/2006/main" xmlns:r="http://schemas.openxmlformats.org/officeDocument/2006/relationships" xmlns:p="http://schemas.openxmlformats.org/presentationml/2006/main">
-  <p:cSld>
-    <p:spTree>
-      <p:nvGrpSpPr>
-        <p:cNvPr id="1" name=""/>
-        <p:cNvGrpSpPr/>
-        <p:nvPr/>
-      </p:nvGrpSpPr>
-      <p:grpSpPr>
-        <a:xfrm>
-          <a:off x="0" y="0"/>
-          <a:ext cx="0" cy="0"/>
-          <a:chOff x="0" y="0"/>
-          <a:chExt cx="0" cy="0"/>
-        </a:xfrm>
-      </p:grpSpPr>
-      <p:sp>
-        <p:nvSpPr>
-          <p:cNvPr id="2" name="Title 1">
-            <a:extLst>
-              <a:ext uri="{FF2B5EF4-FFF2-40B4-BE49-F238E27FC236}">
-                <a16:creationId xmlns:a16="http://schemas.microsoft.com/office/drawing/2014/main" id="{327BA24D-3293-780C-BCC7-433D758A9E83}"/>
-              </a:ext>
-            </a:extLst>
-          </p:cNvPr>
-          <p:cNvSpPr>
-            <a:spLocks noGrp="1"/>
-          </p:cNvSpPr>
-          <p:nvPr>
-            <p:ph type="title"/>
-          </p:nvPr>
-        </p:nvSpPr>
-        <p:spPr/>
-        <p:txBody>
-          <a:bodyPr/>
-          <a:lstStyle/>
-          <a:p>
-            <a:pPr algn="r"/>
-            <a:r>
-              <a:rPr lang="en-US" b="1" dirty="0">
-                <a:latin typeface="Palatino" pitchFamily="2" charset="77"/>
-                <a:ea typeface="Palatino" pitchFamily="2" charset="77"/>
-              </a:rPr>
-              <a:t>Candidate grants for consideration</a:t>
-            </a:r>
-          </a:p>
-        </p:txBody>
-      </p:sp>
-      <p:sp>
-        <p:nvSpPr>
-          <p:cNvPr id="5" name="Slide Number Placeholder 4">
-            <a:extLst>
-              <a:ext uri="{FF2B5EF4-FFF2-40B4-BE49-F238E27FC236}">
-                <a16:creationId xmlns:a16="http://schemas.microsoft.com/office/drawing/2014/main" id="{4A462F25-2BA6-BDBD-1486-B091BF1663AF}"/>
-              </a:ext>
-            </a:extLst>
-          </p:cNvPr>
-          <p:cNvSpPr>
-            <a:spLocks noGrp="1"/>
-          </p:cNvSpPr>
-          <p:nvPr>
-            <p:ph type="sldNum" sz="quarter" idx="12"/>
-          </p:nvPr>
-        </p:nvSpPr>
-        <p:spPr/>
-        <p:txBody>
-          <a:bodyPr/>
-          <a:lstStyle/>
-          <a:p>
-            <a:fld id="{B6F15528-21DE-4FAA-801E-634DDDAF4B2B}" type="slidenum">
-              <a:rPr lang="en-US" smtClean="0"/>
-              <a:pPr/>
-              <a:t>8</a:t>
-            </a:fld>
-            <a:endParaRPr lang="en-US"/>
-          </a:p>
-        </p:txBody>
-      </p:sp>
-      <p:sp>
-        <p:nvSpPr>
-          <p:cNvPr id="16" name="Footer Placeholder 1">
-            <a:extLst>
-              <a:ext uri="{FF2B5EF4-FFF2-40B4-BE49-F238E27FC236}">
-                <a16:creationId xmlns:a16="http://schemas.microsoft.com/office/drawing/2014/main" id="{36B2C02C-74F6-93C6-36FA-BEB271FC1F74}"/>
-              </a:ext>
-            </a:extLst>
-          </p:cNvPr>
-          <p:cNvSpPr>
-            <a:spLocks noGrp="1"/>
-          </p:cNvSpPr>
-          <p:nvPr>
-            <p:ph type="ftr" sz="quarter" idx="11"/>
-          </p:nvPr>
-        </p:nvSpPr>
-        <p:spPr>
-          <a:xfrm>
-            <a:off x="0" y="18288"/>
-            <a:ext cx="9144000" cy="329184"/>
-          </a:xfrm>
-        </p:spPr>
-        <p:txBody>
-          <a:bodyPr/>
-          <a:lstStyle/>
-          <a:p>
-            <a:r>
-              <a:rPr lang="en-US" b="1" dirty="0">
-                <a:solidFill>
-                  <a:schemeClr val="accent4">
-                    <a:lumMod val="50000"/>
-                  </a:schemeClr>
-                </a:solidFill>
-                <a:latin typeface="Palatino" pitchFamily="2" charset="77"/>
-                <a:ea typeface="Palatino" pitchFamily="2" charset="77"/>
-              </a:rPr>
-              <a:t>Coffee phyllosphere microbiomes &amp;Climate change</a:t>
-            </a:r>
-          </a:p>
-        </p:txBody>
-      </p:sp>
-      <p:pic>
-        <p:nvPicPr>
-          <p:cNvPr id="18" name="Picture 17">
-            <a:extLst>
-              <a:ext uri="{FF2B5EF4-FFF2-40B4-BE49-F238E27FC236}">
-                <a16:creationId xmlns:a16="http://schemas.microsoft.com/office/drawing/2014/main" id="{45BD10AA-0CA8-FA62-31C7-6629897FC62B}"/>
-              </a:ext>
-            </a:extLst>
-          </p:cNvPr>
-          <p:cNvPicPr>
-            <a:picLocks noChangeAspect="1"/>
-          </p:cNvPicPr>
-          <p:nvPr/>
-        </p:nvPicPr>
-        <p:blipFill rotWithShape="1">
-          <a:blip>
-            <a:extLst>
-              <a:ext uri="{28A0092B-C50C-407E-A947-70E740481C1C}">
-                <a14:useLocalDpi xmlns:a14="http://schemas.microsoft.com/office/drawing/2010/main" val="0"/>
-              </a:ext>
-            </a:extLst>
-          </a:blip>
-          <a:srcRect l="33334" t="29194" r="41175" b="42919"/>
-          <a:stretch/>
-        </p:blipFill>
-        <p:spPr>
-          <a:xfrm>
-            <a:off x="876958" y="1709834"/>
-            <a:ext cx="3392998" cy="2088000"/>
-          </a:xfrm>
-          <a:prstGeom prst="rect">
-            <a:avLst/>
-          </a:prstGeom>
-        </p:spPr>
-      </p:pic>
-      <p:sp>
-        <p:nvSpPr>
-          <p:cNvPr id="21" name="TextBox 20">
-            <a:extLst>
-              <a:ext uri="{FF2B5EF4-FFF2-40B4-BE49-F238E27FC236}">
-                <a16:creationId xmlns:a16="http://schemas.microsoft.com/office/drawing/2014/main" id="{622957B7-1785-6533-7F1D-B545B53C09BD}"/>
-              </a:ext>
-            </a:extLst>
-          </p:cNvPr>
-          <p:cNvSpPr txBox="1"/>
-          <p:nvPr/>
-        </p:nvSpPr>
-        <p:spPr>
-          <a:xfrm>
-            <a:off x="4269956" y="2228285"/>
-            <a:ext cx="4376648" cy="523220"/>
-          </a:xfrm>
-          <a:prstGeom prst="rect">
-            <a:avLst/>
-          </a:prstGeom>
-          <a:noFill/>
-        </p:spPr>
-        <p:txBody>
-          <a:bodyPr wrap="square" rtlCol="0">
-            <a:spAutoFit/>
-          </a:bodyPr>
-          <a:lstStyle/>
-          <a:p>
-            <a:pPr algn="r"/>
-            <a:r>
-              <a:rPr lang="en-US" sz="2800" b="1" dirty="0">
-                <a:latin typeface="Palatino" pitchFamily="2" charset="77"/>
-                <a:ea typeface="Palatino" pitchFamily="2" charset="77"/>
-              </a:rPr>
-              <a:t>No calls yet </a:t>
-            </a:r>
-          </a:p>
-        </p:txBody>
-      </p:sp>
-      <p:pic>
-        <p:nvPicPr>
-          <p:cNvPr id="23" name="Picture 22">
-            <a:extLst>
-              <a:ext uri="{FF2B5EF4-FFF2-40B4-BE49-F238E27FC236}">
-                <a16:creationId xmlns:a16="http://schemas.microsoft.com/office/drawing/2014/main" id="{557FFDAF-C930-C1D2-047E-661E3EBA7405}"/>
-              </a:ext>
-            </a:extLst>
-          </p:cNvPr>
-          <p:cNvPicPr>
-            <a:picLocks noChangeAspect="1"/>
-          </p:cNvPicPr>
-          <p:nvPr/>
-        </p:nvPicPr>
-        <p:blipFill rotWithShape="1">
-          <a:blip>
-            <a:extLst>
-              <a:ext uri="{28A0092B-C50C-407E-A947-70E740481C1C}">
-                <a14:useLocalDpi xmlns:a14="http://schemas.microsoft.com/office/drawing/2010/main" val="0"/>
-              </a:ext>
-            </a:extLst>
-          </a:blip>
-          <a:srcRect b="18270"/>
-          <a:stretch/>
-        </p:blipFill>
-        <p:spPr>
-          <a:xfrm>
-            <a:off x="874204" y="3485400"/>
-            <a:ext cx="7772400" cy="3067800"/>
-          </a:xfrm>
-          <a:prstGeom prst="rect">
-            <a:avLst/>
-          </a:prstGeom>
-        </p:spPr>
-      </p:pic>
-    </p:spTree>
-    <p:extLst>
-      <p:ext uri="{BB962C8B-B14F-4D97-AF65-F5344CB8AC3E}">
-        <p14:creationId xmlns:p14="http://schemas.microsoft.com/office/powerpoint/2010/main" val="1551130230"/>
       </p:ext>
     </p:extLst>
   </p:cSld>
